--- a/uw-dart-ws-plan-20221114.pptx
+++ b/uw-dart-ws-plan-20221114.pptx
@@ -15,6 +15,8 @@
     <p:sldId id="263" r:id="rId9"/>
     <p:sldId id="264" r:id="rId10"/>
     <p:sldId id="265" r:id="rId11"/>
+    <p:sldId id="266" r:id="rId12"/>
+    <p:sldId id="267" r:id="rId13"/>
   </p:sldIdLst>
   <p:sldSz cx="9144000" cy="5143500" type="screen16x9"/>
   <p:notesSz cx="6858000" cy="9144000"/>
@@ -3437,6 +3439,692 @@
       <p:bldP spid="3" grpId="0" uiExpand="1" build="p"/>
     </p:bldLst>
   </p:timing>
+</p:sld>
+</file>
+
+<file path=ppt/slides/slide11.xml><?xml version="1.0" encoding="utf-8"?>
+<p:sld xmlns:a="http://schemas.openxmlformats.org/drawingml/2006/main" xmlns:r="http://schemas.openxmlformats.org/officeDocument/2006/relationships" xmlns:p="http://schemas.openxmlformats.org/presentationml/2006/main">
+  <p:cSld>
+    <p:spTree>
+      <p:nvGrpSpPr>
+        <p:cNvPr id="1" name=""/>
+        <p:cNvGrpSpPr/>
+        <p:nvPr/>
+      </p:nvGrpSpPr>
+      <p:grpSpPr>
+        <a:xfrm>
+          <a:off x="0" y="0"/>
+          <a:ext cx="0" cy="0"/>
+          <a:chOff x="0" y="0"/>
+          <a:chExt cx="0" cy="0"/>
+        </a:xfrm>
+      </p:grpSpPr>
+      <p:sp>
+        <p:nvSpPr>
+          <p:cNvPr id="2" name="Title 1"/>
+          <p:cNvSpPr>
+            <a:spLocks noGrp="1"/>
+          </p:cNvSpPr>
+          <p:nvPr>
+            <p:ph type="title"/>
+          </p:nvPr>
+        </p:nvSpPr>
+        <p:spPr/>
+        <p:txBody>
+          <a:bodyPr/>
+          <a:lstStyle/>
+          <a:p>
+            <a:pPr lvl="0" indent="0" marL="0">
+              <a:buNone/>
+            </a:pPr>
+            <a:r>
+              <a:rPr/>
+              <a:t>Using </a:t>
+            </a:r>
+            <a:r>
+              <a:rPr>
+                <a:latin typeface="Courier"/>
+              </a:rPr>
+              <a:t>read_csv()</a:t>
+            </a:r>
+            <a:r>
+              <a:rPr/>
+              <a:t> to read data files, part 1</a:t>
+            </a:r>
+          </a:p>
+        </p:txBody>
+      </p:sp>
+      <p:sp>
+        <p:nvSpPr>
+          <p:cNvPr id="3" name="Content Placeholder 2"/>
+          <p:cNvSpPr>
+            <a:spLocks noGrp="1"/>
+          </p:cNvSpPr>
+          <p:nvPr>
+            <p:ph idx="1"/>
+          </p:nvPr>
+        </p:nvSpPr>
+        <p:spPr/>
+        <p:txBody>
+          <a:bodyPr/>
+          <a:lstStyle/>
+          <a:p>
+            <a:pPr lvl="0"/>
+            <a:r>
+              <a:rPr>
+                <a:latin typeface="Courier"/>
+              </a:rPr>
+              <a:t>read_csv()</a:t>
+            </a:r>
+            <a:r>
+              <a:rPr/>
+              <a:t> creates a two-dimensional data structure called a “dataframe” from the csv file</a:t>
+            </a:r>
+          </a:p>
+          <a:p>
+            <a:pPr lvl="1"/>
+            <a:r>
+              <a:rPr/>
+              <a:t>a row contains values specific to a particular student for several different data fields</a:t>
+            </a:r>
+          </a:p>
+          <a:p>
+            <a:pPr lvl="1"/>
+            <a:r>
+              <a:rPr/>
+              <a:t>a column contains values specific to a particular data field for several different students</a:t>
+            </a:r>
+          </a:p>
+          <a:p>
+            <a:pPr lvl="0"/>
+            <a:r>
+              <a:rPr/>
+              <a:t>Column header names are taken from the first row of the csv file (by default)</a:t>
+            </a:r>
+          </a:p>
+          <a:p>
+            <a:pPr lvl="0"/>
+            <a:r>
+              <a:rPr/>
+              <a:t>Sometimes column names from a csv file don’t conform to R’s expected syntax. We can tell </a:t>
+            </a:r>
+            <a:r>
+              <a:rPr>
+                <a:latin typeface="Courier"/>
+              </a:rPr>
+              <a:t>read_csv()</a:t>
+            </a:r>
+            <a:r>
+              <a:rPr/>
+              <a:t> to make any necessary adjustments by using the </a:t>
+            </a:r>
+            <a:r>
+              <a:rPr>
+                <a:latin typeface="Courier"/>
+              </a:rPr>
+              <a:t>name_repair</a:t>
+            </a:r>
+            <a:r>
+              <a:rPr/>
+              <a:t> option.</a:t>
+            </a:r>
+          </a:p>
+        </p:txBody>
+      </p:sp>
+    </p:spTree>
+  </p:cSld>
+  <p:timing>
+    <p:tnLst>
+      <p:par>
+        <p:cTn id="1" dur="indefinite" restart="never" nodeType="tmRoot">
+          <p:childTnLst>
+            <p:seq concurrent="1" nextAc="seek">
+              <p:cTn id="2" dur="indefinite" nodeType="mainSeq">
+                <p:childTnLst>
+                  <p:par>
+                    <p:cTn id="3" fill="hold">
+                      <p:stCondLst>
+                        <p:cond delay="indefinite"/>
+                      </p:stCondLst>
+                      <p:childTnLst>
+                        <p:par>
+                          <p:cTn id="4" fill="hold">
+                            <p:stCondLst>
+                              <p:cond delay="0"/>
+                            </p:stCondLst>
+                            <p:childTnLst>
+                              <p:par>
+                                <p:cTn id="5" presetID="1" presetClass="entr" presetSubtype="0" fill="hold" grpId="0" nodeType="clickEffect">
+                                  <p:stCondLst>
+                                    <p:cond delay="0"/>
+                                  </p:stCondLst>
+                                  <p:childTnLst>
+                                    <p:set>
+                                      <p:cBhvr>
+                                        <p:cTn id="6" dur="1" fill="hold">
+                                          <p:stCondLst>
+                                            <p:cond delay="0"/>
+                                          </p:stCondLst>
+                                        </p:cTn>
+                                        <p:tgtEl>
+                                          <p:spTgt spid="3">
+                                            <p:txEl>
+                                              <p:pRg st="0" end="0"/>
+                                            </p:txEl>
+                                          </p:spTgt>
+                                        </p:tgtEl>
+                                        <p:attrNameLst>
+                                          <p:attrName>style.visibility</p:attrName>
+                                        </p:attrNameLst>
+                                      </p:cBhvr>
+                                      <p:to>
+                                        <p:strVal val="visible"/>
+                                      </p:to>
+                                    </p:set>
+                                  </p:childTnLst>
+                                </p:cTn>
+                              </p:par>
+                            </p:childTnLst>
+                          </p:cTn>
+                        </p:par>
+                      </p:childTnLst>
+                    </p:cTn>
+                  </p:par>
+                  <p:par>
+                    <p:cTn id="7" fill="hold">
+                      <p:stCondLst>
+                        <p:cond delay="indefinite"/>
+                      </p:stCondLst>
+                      <p:childTnLst>
+                        <p:par>
+                          <p:cTn id="8" fill="hold">
+                            <p:stCondLst>
+                              <p:cond delay="0"/>
+                            </p:stCondLst>
+                            <p:childTnLst>
+                              <p:par>
+                                <p:cTn id="9" presetID="1" presetClass="entr" presetSubtype="0" fill="hold" grpId="0" nodeType="clickEffect">
+                                  <p:stCondLst>
+                                    <p:cond delay="0"/>
+                                  </p:stCondLst>
+                                  <p:childTnLst>
+                                    <p:set>
+                                      <p:cBhvr>
+                                        <p:cTn id="10" dur="1" fill="hold">
+                                          <p:stCondLst>
+                                            <p:cond delay="0"/>
+                                          </p:stCondLst>
+                                        </p:cTn>
+                                        <p:tgtEl>
+                                          <p:spTgt spid="3">
+                                            <p:txEl>
+                                              <p:pRg st="1" end="1"/>
+                                            </p:txEl>
+                                          </p:spTgt>
+                                        </p:tgtEl>
+                                        <p:attrNameLst>
+                                          <p:attrName>style.visibility</p:attrName>
+                                        </p:attrNameLst>
+                                      </p:cBhvr>
+                                      <p:to>
+                                        <p:strVal val="visible"/>
+                                      </p:to>
+                                    </p:set>
+                                  </p:childTnLst>
+                                </p:cTn>
+                              </p:par>
+                            </p:childTnLst>
+                          </p:cTn>
+                        </p:par>
+                      </p:childTnLst>
+                    </p:cTn>
+                  </p:par>
+                  <p:par>
+                    <p:cTn id="11" fill="hold">
+                      <p:stCondLst>
+                        <p:cond delay="indefinite"/>
+                      </p:stCondLst>
+                      <p:childTnLst>
+                        <p:par>
+                          <p:cTn id="12" fill="hold">
+                            <p:stCondLst>
+                              <p:cond delay="0"/>
+                            </p:stCondLst>
+                            <p:childTnLst>
+                              <p:par>
+                                <p:cTn id="13" presetID="1" presetClass="entr" presetSubtype="0" fill="hold" grpId="0" nodeType="clickEffect">
+                                  <p:stCondLst>
+                                    <p:cond delay="0"/>
+                                  </p:stCondLst>
+                                  <p:childTnLst>
+                                    <p:set>
+                                      <p:cBhvr>
+                                        <p:cTn id="14" dur="1" fill="hold">
+                                          <p:stCondLst>
+                                            <p:cond delay="0"/>
+                                          </p:stCondLst>
+                                        </p:cTn>
+                                        <p:tgtEl>
+                                          <p:spTgt spid="3">
+                                            <p:txEl>
+                                              <p:pRg st="2" end="2"/>
+                                            </p:txEl>
+                                          </p:spTgt>
+                                        </p:tgtEl>
+                                        <p:attrNameLst>
+                                          <p:attrName>style.visibility</p:attrName>
+                                        </p:attrNameLst>
+                                      </p:cBhvr>
+                                      <p:to>
+                                        <p:strVal val="visible"/>
+                                      </p:to>
+                                    </p:set>
+                                  </p:childTnLst>
+                                </p:cTn>
+                              </p:par>
+                            </p:childTnLst>
+                          </p:cTn>
+                        </p:par>
+                      </p:childTnLst>
+                    </p:cTn>
+                  </p:par>
+                  <p:par>
+                    <p:cTn id="15" fill="hold">
+                      <p:stCondLst>
+                        <p:cond delay="indefinite"/>
+                      </p:stCondLst>
+                      <p:childTnLst>
+                        <p:par>
+                          <p:cTn id="16" fill="hold">
+                            <p:stCondLst>
+                              <p:cond delay="0"/>
+                            </p:stCondLst>
+                            <p:childTnLst>
+                              <p:par>
+                                <p:cTn id="17" presetID="1" presetClass="entr" presetSubtype="0" fill="hold" grpId="0" nodeType="clickEffect">
+                                  <p:stCondLst>
+                                    <p:cond delay="0"/>
+                                  </p:stCondLst>
+                                  <p:childTnLst>
+                                    <p:set>
+                                      <p:cBhvr>
+                                        <p:cTn id="18" dur="1" fill="hold">
+                                          <p:stCondLst>
+                                            <p:cond delay="0"/>
+                                          </p:stCondLst>
+                                        </p:cTn>
+                                        <p:tgtEl>
+                                          <p:spTgt spid="3">
+                                            <p:txEl>
+                                              <p:pRg st="3" end="3"/>
+                                            </p:txEl>
+                                          </p:spTgt>
+                                        </p:tgtEl>
+                                        <p:attrNameLst>
+                                          <p:attrName>style.visibility</p:attrName>
+                                        </p:attrNameLst>
+                                      </p:cBhvr>
+                                      <p:to>
+                                        <p:strVal val="visible"/>
+                                      </p:to>
+                                    </p:set>
+                                  </p:childTnLst>
+                                </p:cTn>
+                              </p:par>
+                            </p:childTnLst>
+                          </p:cTn>
+                        </p:par>
+                      </p:childTnLst>
+                    </p:cTn>
+                  </p:par>
+                  <p:par>
+                    <p:cTn id="19" fill="hold">
+                      <p:stCondLst>
+                        <p:cond delay="indefinite"/>
+                      </p:stCondLst>
+                      <p:childTnLst>
+                        <p:par>
+                          <p:cTn id="20" fill="hold">
+                            <p:stCondLst>
+                              <p:cond delay="0"/>
+                            </p:stCondLst>
+                            <p:childTnLst>
+                              <p:par>
+                                <p:cTn id="21" presetID="1" presetClass="entr" presetSubtype="0" fill="hold" grpId="0" nodeType="clickEffect">
+                                  <p:stCondLst>
+                                    <p:cond delay="0"/>
+                                  </p:stCondLst>
+                                  <p:childTnLst>
+                                    <p:set>
+                                      <p:cBhvr>
+                                        <p:cTn id="22" dur="1" fill="hold">
+                                          <p:stCondLst>
+                                            <p:cond delay="0"/>
+                                          </p:stCondLst>
+                                        </p:cTn>
+                                        <p:tgtEl>
+                                          <p:spTgt spid="3">
+                                            <p:txEl>
+                                              <p:pRg st="4" end="4"/>
+                                            </p:txEl>
+                                          </p:spTgt>
+                                        </p:tgtEl>
+                                        <p:attrNameLst>
+                                          <p:attrName>style.visibility</p:attrName>
+                                        </p:attrNameLst>
+                                      </p:cBhvr>
+                                      <p:to>
+                                        <p:strVal val="visible"/>
+                                      </p:to>
+                                    </p:set>
+                                  </p:childTnLst>
+                                </p:cTn>
+                              </p:par>
+                            </p:childTnLst>
+                          </p:cTn>
+                        </p:par>
+                      </p:childTnLst>
+                    </p:cTn>
+                  </p:par>
+                </p:childTnLst>
+              </p:cTn>
+              <p:prevCondLst>
+                <p:cond evt="onPrev" delay="0">
+                  <p:tgtEl>
+                    <p:sldTgt/>
+                  </p:tgtEl>
+                </p:cond>
+              </p:prevCondLst>
+              <p:nextCondLst>
+                <p:cond evt="onNext" delay="0">
+                  <p:tgtEl>
+                    <p:sldTgt/>
+                  </p:tgtEl>
+                </p:cond>
+              </p:nextCondLst>
+            </p:seq>
+          </p:childTnLst>
+        </p:cTn>
+      </p:par>
+    </p:tnLst>
+    <p:bldLst>
+      <p:bldP spid="3" grpId="0" uiExpand="1" build="p"/>
+    </p:bldLst>
+  </p:timing>
+</p:sld>
+</file>
+
+<file path=ppt/slides/slide12.xml><?xml version="1.0" encoding="utf-8"?>
+<p:sld xmlns:a="http://schemas.openxmlformats.org/drawingml/2006/main" xmlns:r="http://schemas.openxmlformats.org/officeDocument/2006/relationships" xmlns:p="http://schemas.openxmlformats.org/presentationml/2006/main">
+  <p:cSld>
+    <p:spTree>
+      <p:nvGrpSpPr>
+        <p:cNvPr id="1" name=""/>
+        <p:cNvGrpSpPr/>
+        <p:nvPr/>
+      </p:nvGrpSpPr>
+      <p:grpSpPr>
+        <a:xfrm>
+          <a:off x="0" y="0"/>
+          <a:ext cx="0" cy="0"/>
+          <a:chOff x="0" y="0"/>
+          <a:chExt cx="0" cy="0"/>
+        </a:xfrm>
+      </p:grpSpPr>
+      <p:sp>
+        <p:nvSpPr>
+          <p:cNvPr id="2" name="Title 1"/>
+          <p:cNvSpPr>
+            <a:spLocks noGrp="1"/>
+          </p:cNvSpPr>
+          <p:nvPr>
+            <p:ph type="title"/>
+          </p:nvPr>
+        </p:nvSpPr>
+        <p:spPr/>
+        <p:txBody>
+          <a:bodyPr/>
+          <a:lstStyle/>
+          <a:p>
+            <a:pPr lvl="0" indent="0" marL="0">
+              <a:buNone/>
+            </a:pPr>
+            <a:r>
+              <a:rPr/>
+              <a:t>Using </a:t>
+            </a:r>
+            <a:r>
+              <a:rPr>
+                <a:latin typeface="Courier"/>
+              </a:rPr>
+              <a:t>read_csv()</a:t>
+            </a:r>
+            <a:r>
+              <a:rPr/>
+              <a:t> to read data files, part 2</a:t>
+            </a:r>
+          </a:p>
+        </p:txBody>
+      </p:sp>
+      <p:sp>
+        <p:nvSpPr>
+          <p:cNvPr id="3" name="Content Placeholder 2"/>
+          <p:cNvSpPr>
+            <a:spLocks noGrp="1"/>
+          </p:cNvSpPr>
+          <p:nvPr>
+            <p:ph idx="1"/>
+          </p:nvPr>
+        </p:nvSpPr>
+        <p:spPr/>
+        <p:txBody>
+          <a:bodyPr/>
+          <a:lstStyle/>
+          <a:p>
+            <a:pPr lvl="0" indent="0">
+              <a:buNone/>
+            </a:pPr>
+            <a:r>
+              <a:rPr>
+                <a:solidFill>
+                  <a:srgbClr val="003B4F"/>
+                </a:solidFill>
+                <a:latin typeface="Courier"/>
+              </a:rPr>
+              <a:t>grades &lt;- </a:t>
+            </a:r>
+            <a:r>
+              <a:rPr>
+                <a:solidFill>
+                  <a:srgbClr val="4758AB"/>
+                </a:solidFill>
+                <a:latin typeface="Courier"/>
+              </a:rPr>
+              <a:t>read_csv</a:t>
+            </a:r>
+            <a:r>
+              <a:rPr>
+                <a:solidFill>
+                  <a:srgbClr val="003B4F"/>
+                </a:solidFill>
+                <a:latin typeface="Courier"/>
+              </a:rPr>
+              <a:t>(</a:t>
+            </a:r>
+            <a:r>
+              <a:rPr>
+                <a:solidFill>
+                  <a:srgbClr val="20794D"/>
+                </a:solidFill>
+                <a:latin typeface="Courier"/>
+              </a:rPr>
+              <a:t>"data/Grades_quarter1.csv"</a:t>
+            </a:r>
+            <a:r>
+              <a:rPr>
+                <a:solidFill>
+                  <a:srgbClr val="003B4F"/>
+                </a:solidFill>
+                <a:latin typeface="Courier"/>
+              </a:rPr>
+              <a:t>, </a:t>
+            </a:r>
+            <a:r>
+              <a:rPr>
+                <a:solidFill>
+                  <a:srgbClr val="657422"/>
+                </a:solidFill>
+                <a:latin typeface="Courier"/>
+              </a:rPr>
+              <a:t>name_repair =</a:t>
+            </a:r>
+            <a:r>
+              <a:rPr>
+                <a:solidFill>
+                  <a:srgbClr val="003B4F"/>
+                </a:solidFill>
+                <a:latin typeface="Courier"/>
+              </a:rPr>
+              <a:t> </a:t>
+            </a:r>
+            <a:r>
+              <a:rPr>
+                <a:solidFill>
+                  <a:srgbClr val="20794D"/>
+                </a:solidFill>
+                <a:latin typeface="Courier"/>
+              </a:rPr>
+              <a:t>"universal"</a:t>
+            </a:r>
+            <a:r>
+              <a:rPr>
+                <a:solidFill>
+                  <a:srgbClr val="003B4F"/>
+                </a:solidFill>
+                <a:latin typeface="Courier"/>
+              </a:rPr>
+              <a:t>)</a:t>
+            </a:r>
+            <a:br/>
+            <a:r>
+              <a:rPr>
+                <a:solidFill>
+                  <a:srgbClr val="003B4F"/>
+                </a:solidFill>
+                <a:latin typeface="Courier"/>
+              </a:rPr>
+              <a:t>myuw   &lt;- </a:t>
+            </a:r>
+            <a:r>
+              <a:rPr>
+                <a:solidFill>
+                  <a:srgbClr val="4758AB"/>
+                </a:solidFill>
+                <a:latin typeface="Courier"/>
+              </a:rPr>
+              <a:t>read_csv</a:t>
+            </a:r>
+            <a:r>
+              <a:rPr>
+                <a:solidFill>
+                  <a:srgbClr val="003B4F"/>
+                </a:solidFill>
+                <a:latin typeface="Courier"/>
+              </a:rPr>
+              <a:t>(</a:t>
+            </a:r>
+            <a:r>
+              <a:rPr>
+                <a:solidFill>
+                  <a:srgbClr val="20794D"/>
+                </a:solidFill>
+                <a:latin typeface="Courier"/>
+              </a:rPr>
+              <a:t>"data/myUW_quarter1.csv"</a:t>
+            </a:r>
+            <a:r>
+              <a:rPr>
+                <a:solidFill>
+                  <a:srgbClr val="003B4F"/>
+                </a:solidFill>
+                <a:latin typeface="Courier"/>
+              </a:rPr>
+              <a:t>, </a:t>
+            </a:r>
+            <a:r>
+              <a:rPr>
+                <a:solidFill>
+                  <a:srgbClr val="657422"/>
+                </a:solidFill>
+                <a:latin typeface="Courier"/>
+              </a:rPr>
+              <a:t>name_repair =</a:t>
+            </a:r>
+            <a:r>
+              <a:rPr>
+                <a:solidFill>
+                  <a:srgbClr val="003B4F"/>
+                </a:solidFill>
+                <a:latin typeface="Courier"/>
+              </a:rPr>
+              <a:t> </a:t>
+            </a:r>
+            <a:r>
+              <a:rPr>
+                <a:solidFill>
+                  <a:srgbClr val="20794D"/>
+                </a:solidFill>
+                <a:latin typeface="Courier"/>
+              </a:rPr>
+              <a:t>"universal"</a:t>
+            </a:r>
+            <a:r>
+              <a:rPr>
+                <a:solidFill>
+                  <a:srgbClr val="003B4F"/>
+                </a:solidFill>
+                <a:latin typeface="Courier"/>
+              </a:rPr>
+              <a:t>)</a:t>
+            </a:r>
+          </a:p>
+          <a:p>
+            <a:pPr lvl="0" indent="0" marL="0">
+              <a:buNone/>
+            </a:pPr>
+            <a:r>
+              <a:rPr b="1"/>
+              <a:t>In English</a:t>
+            </a:r>
+            <a:r>
+              <a:rPr/>
+              <a:t>: “The dataframe </a:t>
+            </a:r>
+            <a:r>
+              <a:rPr>
+                <a:latin typeface="Courier"/>
+              </a:rPr>
+              <a:t>grades</a:t>
+            </a:r>
+            <a:r>
+              <a:rPr/>
+              <a:t> gets [ </a:t>
+            </a:r>
+            <a:r>
+              <a:rPr>
+                <a:latin typeface="Courier"/>
+              </a:rPr>
+              <a:t>&lt;-</a:t>
+            </a:r>
+            <a:r>
+              <a:rPr/>
+              <a:t>] the result of reading the csv file”data/Grades_quarter1.csv”, with the universal name repair option enabled.”</a:t>
+            </a:r>
+          </a:p>
+        </p:txBody>
+      </p:sp>
+    </p:spTree>
+  </p:cSld>
 </p:sld>
 </file>
 
